--- a/ppt 16-9/0208.我爱圣诞花.pptx
+++ b/ppt 16-9/0208.我爱圣诞花.pptx
@@ -5,7 +5,7 @@
     <p:sldMasterId id="2147483648" r:id="rId1"/>
   </p:sldMasterIdLst>
   <p:sldIdLst>
-    <p:sldId id="2851" r:id="rId2"/>
+    <p:sldId id="2853" r:id="rId2"/>
   </p:sldIdLst>
   <p:sldSz cx="12192000" cy="6858000"/>
   <p:notesSz cx="6858000" cy="9144000"/>
@@ -129,7 +129,7 @@
           <p:cNvPr id="2" name="标题 1">
             <a:extLst>
               <a:ext uri="{FF2B5EF4-FFF2-40B4-BE49-F238E27FC236}">
-                <a16:creationId xmlns:a16="http://schemas.microsoft.com/office/drawing/2014/main" id="{CD841D06-6011-AFB5-49E1-58FFF07E46CC}"/>
+                <a16:creationId xmlns:a16="http://schemas.microsoft.com/office/drawing/2014/main" id="{1C2CB762-A4A7-6EEA-9F95-4AF1FB74AAFC}"/>
               </a:ext>
             </a:extLst>
           </p:cNvPr>
@@ -166,7 +166,7 @@
           <p:cNvPr id="3" name="副标题 2">
             <a:extLst>
               <a:ext uri="{FF2B5EF4-FFF2-40B4-BE49-F238E27FC236}">
-                <a16:creationId xmlns:a16="http://schemas.microsoft.com/office/drawing/2014/main" id="{C00FE119-9B4B-B7F6-3AB6-5E979F217583}"/>
+                <a16:creationId xmlns:a16="http://schemas.microsoft.com/office/drawing/2014/main" id="{5A2EED7F-5E76-178D-EFC4-EA8FF2698CBA}"/>
               </a:ext>
             </a:extLst>
           </p:cNvPr>
@@ -236,7 +236,7 @@
           <p:cNvPr id="4" name="日期占位符 3">
             <a:extLst>
               <a:ext uri="{FF2B5EF4-FFF2-40B4-BE49-F238E27FC236}">
-                <a16:creationId xmlns:a16="http://schemas.microsoft.com/office/drawing/2014/main" id="{A41FB3CF-703F-19FB-0ABC-C30597F13AC7}"/>
+                <a16:creationId xmlns:a16="http://schemas.microsoft.com/office/drawing/2014/main" id="{52047BF9-08C6-BB89-E329-5EFC599B342B}"/>
               </a:ext>
             </a:extLst>
           </p:cNvPr>
@@ -252,7 +252,7 @@
           <a:bodyPr/>
           <a:lstStyle/>
           <a:p>
-            <a:fld id="{D010351A-4F3A-48F7-B94D-4643C01DB000}" type="datetimeFigureOut">
+            <a:fld id="{330D47B7-91CC-4158-A720-6D8CFF6A6B8A}" type="datetimeFigureOut">
               <a:rPr lang="zh-CN" altLang="en-US" smtClean="0"/>
               <a:t>2024/3/10</a:t>
             </a:fld>
@@ -265,7 +265,7 @@
           <p:cNvPr id="5" name="页脚占位符 4">
             <a:extLst>
               <a:ext uri="{FF2B5EF4-FFF2-40B4-BE49-F238E27FC236}">
-                <a16:creationId xmlns:a16="http://schemas.microsoft.com/office/drawing/2014/main" id="{448D9625-B1AE-C4C7-451D-689DABABE757}"/>
+                <a16:creationId xmlns:a16="http://schemas.microsoft.com/office/drawing/2014/main" id="{ED47E1C6-5CCE-9330-B728-643963D30A2E}"/>
               </a:ext>
             </a:extLst>
           </p:cNvPr>
@@ -290,7 +290,7 @@
           <p:cNvPr id="6" name="灯片编号占位符 5">
             <a:extLst>
               <a:ext uri="{FF2B5EF4-FFF2-40B4-BE49-F238E27FC236}">
-                <a16:creationId xmlns:a16="http://schemas.microsoft.com/office/drawing/2014/main" id="{BE20839C-796A-8545-A0AB-DCF2B78CE6DB}"/>
+                <a16:creationId xmlns:a16="http://schemas.microsoft.com/office/drawing/2014/main" id="{77C4C33D-4BF8-EF91-757E-BE9F9CA69F00}"/>
               </a:ext>
             </a:extLst>
           </p:cNvPr>
@@ -306,7 +306,7 @@
           <a:bodyPr/>
           <a:lstStyle/>
           <a:p>
-            <a:fld id="{5CDEB8BD-5DA7-4957-ACD2-523AC492FA5A}" type="slidenum">
+            <a:fld id="{4362F007-8151-429E-914D-A99F4389FBDA}" type="slidenum">
               <a:rPr lang="zh-CN" altLang="en-US" smtClean="0"/>
               <a:t>‹#›</a:t>
             </a:fld>
@@ -317,7 +317,7 @@
     </p:spTree>
     <p:extLst>
       <p:ext uri="{BB962C8B-B14F-4D97-AF65-F5344CB8AC3E}">
-        <p14:creationId xmlns:p14="http://schemas.microsoft.com/office/powerpoint/2010/main" val="3958887362"/>
+        <p14:creationId xmlns:p14="http://schemas.microsoft.com/office/powerpoint/2010/main" val="3200531712"/>
       </p:ext>
     </p:extLst>
   </p:cSld>
@@ -349,7 +349,7 @@
           <p:cNvPr id="2" name="标题 1">
             <a:extLst>
               <a:ext uri="{FF2B5EF4-FFF2-40B4-BE49-F238E27FC236}">
-                <a16:creationId xmlns:a16="http://schemas.microsoft.com/office/drawing/2014/main" id="{1041DA1A-BDCE-08FC-DA2E-EB04B89822C3}"/>
+                <a16:creationId xmlns:a16="http://schemas.microsoft.com/office/drawing/2014/main" id="{C2E63DDE-B6AA-CB45-3A32-C1D569DA90D6}"/>
               </a:ext>
             </a:extLst>
           </p:cNvPr>
@@ -377,7 +377,7 @@
           <p:cNvPr id="3" name="竖排文字占位符 2">
             <a:extLst>
               <a:ext uri="{FF2B5EF4-FFF2-40B4-BE49-F238E27FC236}">
-                <a16:creationId xmlns:a16="http://schemas.microsoft.com/office/drawing/2014/main" id="{3CF29AEE-DB56-53B9-32E7-BA51F2E1C2E8}"/>
+                <a16:creationId xmlns:a16="http://schemas.microsoft.com/office/drawing/2014/main" id="{C3F42DBE-CC06-D51A-27B7-B6DDE3E981AA}"/>
               </a:ext>
             </a:extLst>
           </p:cNvPr>
@@ -434,7 +434,7 @@
           <p:cNvPr id="4" name="日期占位符 3">
             <a:extLst>
               <a:ext uri="{FF2B5EF4-FFF2-40B4-BE49-F238E27FC236}">
-                <a16:creationId xmlns:a16="http://schemas.microsoft.com/office/drawing/2014/main" id="{48B81A18-D8DC-20B5-5970-848617A26A40}"/>
+                <a16:creationId xmlns:a16="http://schemas.microsoft.com/office/drawing/2014/main" id="{C97EB9DD-0CB4-8638-E675-C4288764859C}"/>
               </a:ext>
             </a:extLst>
           </p:cNvPr>
@@ -450,7 +450,7 @@
           <a:bodyPr/>
           <a:lstStyle/>
           <a:p>
-            <a:fld id="{D010351A-4F3A-48F7-B94D-4643C01DB000}" type="datetimeFigureOut">
+            <a:fld id="{330D47B7-91CC-4158-A720-6D8CFF6A6B8A}" type="datetimeFigureOut">
               <a:rPr lang="zh-CN" altLang="en-US" smtClean="0"/>
               <a:t>2024/3/10</a:t>
             </a:fld>
@@ -463,7 +463,7 @@
           <p:cNvPr id="5" name="页脚占位符 4">
             <a:extLst>
               <a:ext uri="{FF2B5EF4-FFF2-40B4-BE49-F238E27FC236}">
-                <a16:creationId xmlns:a16="http://schemas.microsoft.com/office/drawing/2014/main" id="{4317340D-CA48-72FF-4809-A52B21F88211}"/>
+                <a16:creationId xmlns:a16="http://schemas.microsoft.com/office/drawing/2014/main" id="{D8E1389D-341D-A9E5-47ED-988618828702}"/>
               </a:ext>
             </a:extLst>
           </p:cNvPr>
@@ -488,7 +488,7 @@
           <p:cNvPr id="6" name="灯片编号占位符 5">
             <a:extLst>
               <a:ext uri="{FF2B5EF4-FFF2-40B4-BE49-F238E27FC236}">
-                <a16:creationId xmlns:a16="http://schemas.microsoft.com/office/drawing/2014/main" id="{4F490C9A-072C-F20D-045D-C5B1DF99D4EF}"/>
+                <a16:creationId xmlns:a16="http://schemas.microsoft.com/office/drawing/2014/main" id="{7AF24306-2081-B05D-07EE-75E8BDD5F873}"/>
               </a:ext>
             </a:extLst>
           </p:cNvPr>
@@ -504,7 +504,7 @@
           <a:bodyPr/>
           <a:lstStyle/>
           <a:p>
-            <a:fld id="{5CDEB8BD-5DA7-4957-ACD2-523AC492FA5A}" type="slidenum">
+            <a:fld id="{4362F007-8151-429E-914D-A99F4389FBDA}" type="slidenum">
               <a:rPr lang="zh-CN" altLang="en-US" smtClean="0"/>
               <a:t>‹#›</a:t>
             </a:fld>
@@ -515,7 +515,7 @@
     </p:spTree>
     <p:extLst>
       <p:ext uri="{BB962C8B-B14F-4D97-AF65-F5344CB8AC3E}">
-        <p14:creationId xmlns:p14="http://schemas.microsoft.com/office/powerpoint/2010/main" val="418662424"/>
+        <p14:creationId xmlns:p14="http://schemas.microsoft.com/office/powerpoint/2010/main" val="1368721831"/>
       </p:ext>
     </p:extLst>
   </p:cSld>
@@ -547,7 +547,7 @@
           <p:cNvPr id="2" name="竖排标题 1">
             <a:extLst>
               <a:ext uri="{FF2B5EF4-FFF2-40B4-BE49-F238E27FC236}">
-                <a16:creationId xmlns:a16="http://schemas.microsoft.com/office/drawing/2014/main" id="{91499E92-6AC7-34EA-1E0B-01993E49613F}"/>
+                <a16:creationId xmlns:a16="http://schemas.microsoft.com/office/drawing/2014/main" id="{51AB0ADB-FCF2-3417-E41E-07E32CCF3B23}"/>
               </a:ext>
             </a:extLst>
           </p:cNvPr>
@@ -580,7 +580,7 @@
           <p:cNvPr id="3" name="竖排文字占位符 2">
             <a:extLst>
               <a:ext uri="{FF2B5EF4-FFF2-40B4-BE49-F238E27FC236}">
-                <a16:creationId xmlns:a16="http://schemas.microsoft.com/office/drawing/2014/main" id="{DB1D7BB1-CE4C-C5F8-8B79-71B68BFA26F3}"/>
+                <a16:creationId xmlns:a16="http://schemas.microsoft.com/office/drawing/2014/main" id="{ED8A3398-7E17-3009-EF13-D64E8DF0B107}"/>
               </a:ext>
             </a:extLst>
           </p:cNvPr>
@@ -642,7 +642,7 @@
           <p:cNvPr id="4" name="日期占位符 3">
             <a:extLst>
               <a:ext uri="{FF2B5EF4-FFF2-40B4-BE49-F238E27FC236}">
-                <a16:creationId xmlns:a16="http://schemas.microsoft.com/office/drawing/2014/main" id="{4C62EC83-508D-FC6F-50CB-0B48ABED5C53}"/>
+                <a16:creationId xmlns:a16="http://schemas.microsoft.com/office/drawing/2014/main" id="{6D089E6A-C52F-B4E4-2E0A-386C6583CCA0}"/>
               </a:ext>
             </a:extLst>
           </p:cNvPr>
@@ -658,7 +658,7 @@
           <a:bodyPr/>
           <a:lstStyle/>
           <a:p>
-            <a:fld id="{D010351A-4F3A-48F7-B94D-4643C01DB000}" type="datetimeFigureOut">
+            <a:fld id="{330D47B7-91CC-4158-A720-6D8CFF6A6B8A}" type="datetimeFigureOut">
               <a:rPr lang="zh-CN" altLang="en-US" smtClean="0"/>
               <a:t>2024/3/10</a:t>
             </a:fld>
@@ -671,7 +671,7 @@
           <p:cNvPr id="5" name="页脚占位符 4">
             <a:extLst>
               <a:ext uri="{FF2B5EF4-FFF2-40B4-BE49-F238E27FC236}">
-                <a16:creationId xmlns:a16="http://schemas.microsoft.com/office/drawing/2014/main" id="{80254B6C-4FE3-305F-A9E1-5FA75BCE3316}"/>
+                <a16:creationId xmlns:a16="http://schemas.microsoft.com/office/drawing/2014/main" id="{D292F4D6-FD2C-9231-EA37-DA53B2C95974}"/>
               </a:ext>
             </a:extLst>
           </p:cNvPr>
@@ -696,7 +696,7 @@
           <p:cNvPr id="6" name="灯片编号占位符 5">
             <a:extLst>
               <a:ext uri="{FF2B5EF4-FFF2-40B4-BE49-F238E27FC236}">
-                <a16:creationId xmlns:a16="http://schemas.microsoft.com/office/drawing/2014/main" id="{D5B1A9C7-EE3C-DB95-936C-6FCF1E7061C9}"/>
+                <a16:creationId xmlns:a16="http://schemas.microsoft.com/office/drawing/2014/main" id="{828EA265-CD0B-6816-D273-92F60C8B7526}"/>
               </a:ext>
             </a:extLst>
           </p:cNvPr>
@@ -712,7 +712,7 @@
           <a:bodyPr/>
           <a:lstStyle/>
           <a:p>
-            <a:fld id="{5CDEB8BD-5DA7-4957-ACD2-523AC492FA5A}" type="slidenum">
+            <a:fld id="{4362F007-8151-429E-914D-A99F4389FBDA}" type="slidenum">
               <a:rPr lang="zh-CN" altLang="en-US" smtClean="0"/>
               <a:t>‹#›</a:t>
             </a:fld>
@@ -723,7 +723,7 @@
     </p:spTree>
     <p:extLst>
       <p:ext uri="{BB962C8B-B14F-4D97-AF65-F5344CB8AC3E}">
-        <p14:creationId xmlns:p14="http://schemas.microsoft.com/office/powerpoint/2010/main" val="3064892065"/>
+        <p14:creationId xmlns:p14="http://schemas.microsoft.com/office/powerpoint/2010/main" val="2196347233"/>
       </p:ext>
     </p:extLst>
   </p:cSld>
@@ -755,7 +755,7 @@
           <p:cNvPr id="2" name="标题 1">
             <a:extLst>
               <a:ext uri="{FF2B5EF4-FFF2-40B4-BE49-F238E27FC236}">
-                <a16:creationId xmlns:a16="http://schemas.microsoft.com/office/drawing/2014/main" id="{904E05E8-03AE-C638-0321-AF10852F9C3F}"/>
+                <a16:creationId xmlns:a16="http://schemas.microsoft.com/office/drawing/2014/main" id="{AB6E69B5-0380-D3AC-0D3C-7C81FFFEE484}"/>
               </a:ext>
             </a:extLst>
           </p:cNvPr>
@@ -783,7 +783,7 @@
           <p:cNvPr id="3" name="内容占位符 2">
             <a:extLst>
               <a:ext uri="{FF2B5EF4-FFF2-40B4-BE49-F238E27FC236}">
-                <a16:creationId xmlns:a16="http://schemas.microsoft.com/office/drawing/2014/main" id="{6345FCB4-CA82-DB77-043E-5E8D63652DE3}"/>
+                <a16:creationId xmlns:a16="http://schemas.microsoft.com/office/drawing/2014/main" id="{BCF033A5-2655-7DD6-B012-4732B4C1B905}"/>
               </a:ext>
             </a:extLst>
           </p:cNvPr>
@@ -840,7 +840,7 @@
           <p:cNvPr id="4" name="日期占位符 3">
             <a:extLst>
               <a:ext uri="{FF2B5EF4-FFF2-40B4-BE49-F238E27FC236}">
-                <a16:creationId xmlns:a16="http://schemas.microsoft.com/office/drawing/2014/main" id="{111CDD11-8FDB-7225-8FB8-AA165517FA12}"/>
+                <a16:creationId xmlns:a16="http://schemas.microsoft.com/office/drawing/2014/main" id="{7D0A4D5B-EEB7-7295-17EA-0995F631C6C5}"/>
               </a:ext>
             </a:extLst>
           </p:cNvPr>
@@ -856,7 +856,7 @@
           <a:bodyPr/>
           <a:lstStyle/>
           <a:p>
-            <a:fld id="{D010351A-4F3A-48F7-B94D-4643C01DB000}" type="datetimeFigureOut">
+            <a:fld id="{330D47B7-91CC-4158-A720-6D8CFF6A6B8A}" type="datetimeFigureOut">
               <a:rPr lang="zh-CN" altLang="en-US" smtClean="0"/>
               <a:t>2024/3/10</a:t>
             </a:fld>
@@ -869,7 +869,7 @@
           <p:cNvPr id="5" name="页脚占位符 4">
             <a:extLst>
               <a:ext uri="{FF2B5EF4-FFF2-40B4-BE49-F238E27FC236}">
-                <a16:creationId xmlns:a16="http://schemas.microsoft.com/office/drawing/2014/main" id="{10B0B4BF-E3C6-53F3-71F4-4CDEB6F95F20}"/>
+                <a16:creationId xmlns:a16="http://schemas.microsoft.com/office/drawing/2014/main" id="{1FC754DA-CE3D-2BD7-1557-CCC823C7E57D}"/>
               </a:ext>
             </a:extLst>
           </p:cNvPr>
@@ -894,7 +894,7 @@
           <p:cNvPr id="6" name="灯片编号占位符 5">
             <a:extLst>
               <a:ext uri="{FF2B5EF4-FFF2-40B4-BE49-F238E27FC236}">
-                <a16:creationId xmlns:a16="http://schemas.microsoft.com/office/drawing/2014/main" id="{0D7028FF-36B2-E729-338D-7A1EBEA86202}"/>
+                <a16:creationId xmlns:a16="http://schemas.microsoft.com/office/drawing/2014/main" id="{A32B9CA7-7623-5455-F35E-CCEACE2E0527}"/>
               </a:ext>
             </a:extLst>
           </p:cNvPr>
@@ -910,7 +910,7 @@
           <a:bodyPr/>
           <a:lstStyle/>
           <a:p>
-            <a:fld id="{5CDEB8BD-5DA7-4957-ACD2-523AC492FA5A}" type="slidenum">
+            <a:fld id="{4362F007-8151-429E-914D-A99F4389FBDA}" type="slidenum">
               <a:rPr lang="zh-CN" altLang="en-US" smtClean="0"/>
               <a:t>‹#›</a:t>
             </a:fld>
@@ -921,7 +921,7 @@
     </p:spTree>
     <p:extLst>
       <p:ext uri="{BB962C8B-B14F-4D97-AF65-F5344CB8AC3E}">
-        <p14:creationId xmlns:p14="http://schemas.microsoft.com/office/powerpoint/2010/main" val="4074817974"/>
+        <p14:creationId xmlns:p14="http://schemas.microsoft.com/office/powerpoint/2010/main" val="3788075039"/>
       </p:ext>
     </p:extLst>
   </p:cSld>
@@ -953,7 +953,7 @@
           <p:cNvPr id="2" name="标题 1">
             <a:extLst>
               <a:ext uri="{FF2B5EF4-FFF2-40B4-BE49-F238E27FC236}">
-                <a16:creationId xmlns:a16="http://schemas.microsoft.com/office/drawing/2014/main" id="{1C359525-F5DB-5D20-844C-8428320E130C}"/>
+                <a16:creationId xmlns:a16="http://schemas.microsoft.com/office/drawing/2014/main" id="{6A8063A2-0FDA-69AE-3318-0317292CD532}"/>
               </a:ext>
             </a:extLst>
           </p:cNvPr>
@@ -990,7 +990,7 @@
           <p:cNvPr id="3" name="文本占位符 2">
             <a:extLst>
               <a:ext uri="{FF2B5EF4-FFF2-40B4-BE49-F238E27FC236}">
-                <a16:creationId xmlns:a16="http://schemas.microsoft.com/office/drawing/2014/main" id="{43E8DFAE-2336-F48E-A8A3-0AB473845B29}"/>
+                <a16:creationId xmlns:a16="http://schemas.microsoft.com/office/drawing/2014/main" id="{77ED0D9E-BAD8-B1ED-FF06-E6071DA536DC}"/>
               </a:ext>
             </a:extLst>
           </p:cNvPr>
@@ -1115,7 +1115,7 @@
           <p:cNvPr id="4" name="日期占位符 3">
             <a:extLst>
               <a:ext uri="{FF2B5EF4-FFF2-40B4-BE49-F238E27FC236}">
-                <a16:creationId xmlns:a16="http://schemas.microsoft.com/office/drawing/2014/main" id="{83ACDE02-2D2F-554D-A47D-F719E065C7F1}"/>
+                <a16:creationId xmlns:a16="http://schemas.microsoft.com/office/drawing/2014/main" id="{6F1C4936-C68F-94AB-215F-EC1BE47BEB06}"/>
               </a:ext>
             </a:extLst>
           </p:cNvPr>
@@ -1131,7 +1131,7 @@
           <a:bodyPr/>
           <a:lstStyle/>
           <a:p>
-            <a:fld id="{D010351A-4F3A-48F7-B94D-4643C01DB000}" type="datetimeFigureOut">
+            <a:fld id="{330D47B7-91CC-4158-A720-6D8CFF6A6B8A}" type="datetimeFigureOut">
               <a:rPr lang="zh-CN" altLang="en-US" smtClean="0"/>
               <a:t>2024/3/10</a:t>
             </a:fld>
@@ -1144,7 +1144,7 @@
           <p:cNvPr id="5" name="页脚占位符 4">
             <a:extLst>
               <a:ext uri="{FF2B5EF4-FFF2-40B4-BE49-F238E27FC236}">
-                <a16:creationId xmlns:a16="http://schemas.microsoft.com/office/drawing/2014/main" id="{94B46DD3-3371-3785-A29F-ACAED0ED8EC2}"/>
+                <a16:creationId xmlns:a16="http://schemas.microsoft.com/office/drawing/2014/main" id="{87A83C32-8E8D-D5CD-1BB2-B9B680881848}"/>
               </a:ext>
             </a:extLst>
           </p:cNvPr>
@@ -1169,7 +1169,7 @@
           <p:cNvPr id="6" name="灯片编号占位符 5">
             <a:extLst>
               <a:ext uri="{FF2B5EF4-FFF2-40B4-BE49-F238E27FC236}">
-                <a16:creationId xmlns:a16="http://schemas.microsoft.com/office/drawing/2014/main" id="{F22377FE-965F-FD8D-2BC2-34BAFD7CF5E2}"/>
+                <a16:creationId xmlns:a16="http://schemas.microsoft.com/office/drawing/2014/main" id="{EE593AFB-9EF9-0763-88A1-1CDFBF04F1F6}"/>
               </a:ext>
             </a:extLst>
           </p:cNvPr>
@@ -1185,7 +1185,7 @@
           <a:bodyPr/>
           <a:lstStyle/>
           <a:p>
-            <a:fld id="{5CDEB8BD-5DA7-4957-ACD2-523AC492FA5A}" type="slidenum">
+            <a:fld id="{4362F007-8151-429E-914D-A99F4389FBDA}" type="slidenum">
               <a:rPr lang="zh-CN" altLang="en-US" smtClean="0"/>
               <a:t>‹#›</a:t>
             </a:fld>
@@ -1196,7 +1196,7 @@
     </p:spTree>
     <p:extLst>
       <p:ext uri="{BB962C8B-B14F-4D97-AF65-F5344CB8AC3E}">
-        <p14:creationId xmlns:p14="http://schemas.microsoft.com/office/powerpoint/2010/main" val="2567447411"/>
+        <p14:creationId xmlns:p14="http://schemas.microsoft.com/office/powerpoint/2010/main" val="1479591360"/>
       </p:ext>
     </p:extLst>
   </p:cSld>
@@ -1228,7 +1228,7 @@
           <p:cNvPr id="2" name="标题 1">
             <a:extLst>
               <a:ext uri="{FF2B5EF4-FFF2-40B4-BE49-F238E27FC236}">
-                <a16:creationId xmlns:a16="http://schemas.microsoft.com/office/drawing/2014/main" id="{F7226ADE-2720-04BB-C8CE-FD73368563E1}"/>
+                <a16:creationId xmlns:a16="http://schemas.microsoft.com/office/drawing/2014/main" id="{139EEF61-5CC4-8A1F-5FEA-D8D54EA24F77}"/>
               </a:ext>
             </a:extLst>
           </p:cNvPr>
@@ -1256,7 +1256,7 @@
           <p:cNvPr id="3" name="内容占位符 2">
             <a:extLst>
               <a:ext uri="{FF2B5EF4-FFF2-40B4-BE49-F238E27FC236}">
-                <a16:creationId xmlns:a16="http://schemas.microsoft.com/office/drawing/2014/main" id="{75D29CB4-CC33-43FB-5E49-98680B67EB1A}"/>
+                <a16:creationId xmlns:a16="http://schemas.microsoft.com/office/drawing/2014/main" id="{E83567BC-60B6-D74F-3ADC-90779EB6DCFF}"/>
               </a:ext>
             </a:extLst>
           </p:cNvPr>
@@ -1318,7 +1318,7 @@
           <p:cNvPr id="4" name="内容占位符 3">
             <a:extLst>
               <a:ext uri="{FF2B5EF4-FFF2-40B4-BE49-F238E27FC236}">
-                <a16:creationId xmlns:a16="http://schemas.microsoft.com/office/drawing/2014/main" id="{44A1DD64-54C2-F096-6161-C0A0D1A267FD}"/>
+                <a16:creationId xmlns:a16="http://schemas.microsoft.com/office/drawing/2014/main" id="{0218F014-427B-E4F0-A541-AF9547368136}"/>
               </a:ext>
             </a:extLst>
           </p:cNvPr>
@@ -1380,7 +1380,7 @@
           <p:cNvPr id="5" name="日期占位符 4">
             <a:extLst>
               <a:ext uri="{FF2B5EF4-FFF2-40B4-BE49-F238E27FC236}">
-                <a16:creationId xmlns:a16="http://schemas.microsoft.com/office/drawing/2014/main" id="{9A651CCD-4128-07EC-4143-D5B3FA994A07}"/>
+                <a16:creationId xmlns:a16="http://schemas.microsoft.com/office/drawing/2014/main" id="{0D7F6212-7D64-599A-8748-DF97C78904ED}"/>
               </a:ext>
             </a:extLst>
           </p:cNvPr>
@@ -1396,7 +1396,7 @@
           <a:bodyPr/>
           <a:lstStyle/>
           <a:p>
-            <a:fld id="{D010351A-4F3A-48F7-B94D-4643C01DB000}" type="datetimeFigureOut">
+            <a:fld id="{330D47B7-91CC-4158-A720-6D8CFF6A6B8A}" type="datetimeFigureOut">
               <a:rPr lang="zh-CN" altLang="en-US" smtClean="0"/>
               <a:t>2024/3/10</a:t>
             </a:fld>
@@ -1409,7 +1409,7 @@
           <p:cNvPr id="6" name="页脚占位符 5">
             <a:extLst>
               <a:ext uri="{FF2B5EF4-FFF2-40B4-BE49-F238E27FC236}">
-                <a16:creationId xmlns:a16="http://schemas.microsoft.com/office/drawing/2014/main" id="{B332DBEA-7F5B-1B48-0444-2DC451BBA307}"/>
+                <a16:creationId xmlns:a16="http://schemas.microsoft.com/office/drawing/2014/main" id="{D06C3595-1DC7-5622-12A9-5ADAF75A85AD}"/>
               </a:ext>
             </a:extLst>
           </p:cNvPr>
@@ -1434,7 +1434,7 @@
           <p:cNvPr id="7" name="灯片编号占位符 6">
             <a:extLst>
               <a:ext uri="{FF2B5EF4-FFF2-40B4-BE49-F238E27FC236}">
-                <a16:creationId xmlns:a16="http://schemas.microsoft.com/office/drawing/2014/main" id="{AC62128D-4C06-3A55-72CA-198E3B7D0C43}"/>
+                <a16:creationId xmlns:a16="http://schemas.microsoft.com/office/drawing/2014/main" id="{82015E63-F792-AE7B-C2A4-E810540C46E1}"/>
               </a:ext>
             </a:extLst>
           </p:cNvPr>
@@ -1450,7 +1450,7 @@
           <a:bodyPr/>
           <a:lstStyle/>
           <a:p>
-            <a:fld id="{5CDEB8BD-5DA7-4957-ACD2-523AC492FA5A}" type="slidenum">
+            <a:fld id="{4362F007-8151-429E-914D-A99F4389FBDA}" type="slidenum">
               <a:rPr lang="zh-CN" altLang="en-US" smtClean="0"/>
               <a:t>‹#›</a:t>
             </a:fld>
@@ -1461,7 +1461,7 @@
     </p:spTree>
     <p:extLst>
       <p:ext uri="{BB962C8B-B14F-4D97-AF65-F5344CB8AC3E}">
-        <p14:creationId xmlns:p14="http://schemas.microsoft.com/office/powerpoint/2010/main" val="3315437005"/>
+        <p14:creationId xmlns:p14="http://schemas.microsoft.com/office/powerpoint/2010/main" val="12229620"/>
       </p:ext>
     </p:extLst>
   </p:cSld>
@@ -1493,7 +1493,7 @@
           <p:cNvPr id="2" name="标题 1">
             <a:extLst>
               <a:ext uri="{FF2B5EF4-FFF2-40B4-BE49-F238E27FC236}">
-                <a16:creationId xmlns:a16="http://schemas.microsoft.com/office/drawing/2014/main" id="{2BCDDB79-556F-D657-35B7-A109FFA6BBB7}"/>
+                <a16:creationId xmlns:a16="http://schemas.microsoft.com/office/drawing/2014/main" id="{5ABC8DF2-3A91-89A4-76AB-FF4F1C8CDFC7}"/>
               </a:ext>
             </a:extLst>
           </p:cNvPr>
@@ -1526,7 +1526,7 @@
           <p:cNvPr id="3" name="文本占位符 2">
             <a:extLst>
               <a:ext uri="{FF2B5EF4-FFF2-40B4-BE49-F238E27FC236}">
-                <a16:creationId xmlns:a16="http://schemas.microsoft.com/office/drawing/2014/main" id="{C2C6F9B6-D06A-1E95-D9BE-28B5F63F28BA}"/>
+                <a16:creationId xmlns:a16="http://schemas.microsoft.com/office/drawing/2014/main" id="{C5299A35-4B89-57BC-3B22-2D57414C7F84}"/>
               </a:ext>
             </a:extLst>
           </p:cNvPr>
@@ -1597,7 +1597,7 @@
           <p:cNvPr id="4" name="内容占位符 3">
             <a:extLst>
               <a:ext uri="{FF2B5EF4-FFF2-40B4-BE49-F238E27FC236}">
-                <a16:creationId xmlns:a16="http://schemas.microsoft.com/office/drawing/2014/main" id="{6A44840B-CA84-F101-64DD-45C2FA34F0D1}"/>
+                <a16:creationId xmlns:a16="http://schemas.microsoft.com/office/drawing/2014/main" id="{01226786-4988-210C-3980-C4E3DE1B20FE}"/>
               </a:ext>
             </a:extLst>
           </p:cNvPr>
@@ -1659,7 +1659,7 @@
           <p:cNvPr id="5" name="文本占位符 4">
             <a:extLst>
               <a:ext uri="{FF2B5EF4-FFF2-40B4-BE49-F238E27FC236}">
-                <a16:creationId xmlns:a16="http://schemas.microsoft.com/office/drawing/2014/main" id="{42C1EBAE-A605-CD72-5975-AD14DF03EB3D}"/>
+                <a16:creationId xmlns:a16="http://schemas.microsoft.com/office/drawing/2014/main" id="{DDCF54B2-5337-BBAF-6BE2-8B15B2B4C1C8}"/>
               </a:ext>
             </a:extLst>
           </p:cNvPr>
@@ -1730,7 +1730,7 @@
           <p:cNvPr id="6" name="内容占位符 5">
             <a:extLst>
               <a:ext uri="{FF2B5EF4-FFF2-40B4-BE49-F238E27FC236}">
-                <a16:creationId xmlns:a16="http://schemas.microsoft.com/office/drawing/2014/main" id="{5B2ACFD1-595B-5F6B-761F-52642B0B1222}"/>
+                <a16:creationId xmlns:a16="http://schemas.microsoft.com/office/drawing/2014/main" id="{0C329A63-34FD-5CDF-148E-A43427496F7A}"/>
               </a:ext>
             </a:extLst>
           </p:cNvPr>
@@ -1792,7 +1792,7 @@
           <p:cNvPr id="7" name="日期占位符 6">
             <a:extLst>
               <a:ext uri="{FF2B5EF4-FFF2-40B4-BE49-F238E27FC236}">
-                <a16:creationId xmlns:a16="http://schemas.microsoft.com/office/drawing/2014/main" id="{6FD0ABCD-B08E-0623-3357-9D7E57377F5D}"/>
+                <a16:creationId xmlns:a16="http://schemas.microsoft.com/office/drawing/2014/main" id="{DCCA8A34-7DED-22BE-101D-63192DEBC8A1}"/>
               </a:ext>
             </a:extLst>
           </p:cNvPr>
@@ -1808,7 +1808,7 @@
           <a:bodyPr/>
           <a:lstStyle/>
           <a:p>
-            <a:fld id="{D010351A-4F3A-48F7-B94D-4643C01DB000}" type="datetimeFigureOut">
+            <a:fld id="{330D47B7-91CC-4158-A720-6D8CFF6A6B8A}" type="datetimeFigureOut">
               <a:rPr lang="zh-CN" altLang="en-US" smtClean="0"/>
               <a:t>2024/3/10</a:t>
             </a:fld>
@@ -1821,7 +1821,7 @@
           <p:cNvPr id="8" name="页脚占位符 7">
             <a:extLst>
               <a:ext uri="{FF2B5EF4-FFF2-40B4-BE49-F238E27FC236}">
-                <a16:creationId xmlns:a16="http://schemas.microsoft.com/office/drawing/2014/main" id="{35B06A69-F372-8232-C003-42C4A8AD084F}"/>
+                <a16:creationId xmlns:a16="http://schemas.microsoft.com/office/drawing/2014/main" id="{F713AA08-A661-378B-CF95-6E9B1ADA9386}"/>
               </a:ext>
             </a:extLst>
           </p:cNvPr>
@@ -1846,7 +1846,7 @@
           <p:cNvPr id="9" name="灯片编号占位符 8">
             <a:extLst>
               <a:ext uri="{FF2B5EF4-FFF2-40B4-BE49-F238E27FC236}">
-                <a16:creationId xmlns:a16="http://schemas.microsoft.com/office/drawing/2014/main" id="{006E56AD-0C87-262C-6F21-F83C081EF277}"/>
+                <a16:creationId xmlns:a16="http://schemas.microsoft.com/office/drawing/2014/main" id="{7FEFAA0E-28F4-FA23-464D-AD64AFC8A087}"/>
               </a:ext>
             </a:extLst>
           </p:cNvPr>
@@ -1862,7 +1862,7 @@
           <a:bodyPr/>
           <a:lstStyle/>
           <a:p>
-            <a:fld id="{5CDEB8BD-5DA7-4957-ACD2-523AC492FA5A}" type="slidenum">
+            <a:fld id="{4362F007-8151-429E-914D-A99F4389FBDA}" type="slidenum">
               <a:rPr lang="zh-CN" altLang="en-US" smtClean="0"/>
               <a:t>‹#›</a:t>
             </a:fld>
@@ -1873,7 +1873,7 @@
     </p:spTree>
     <p:extLst>
       <p:ext uri="{BB962C8B-B14F-4D97-AF65-F5344CB8AC3E}">
-        <p14:creationId xmlns:p14="http://schemas.microsoft.com/office/powerpoint/2010/main" val="3731460800"/>
+        <p14:creationId xmlns:p14="http://schemas.microsoft.com/office/powerpoint/2010/main" val="944326086"/>
       </p:ext>
     </p:extLst>
   </p:cSld>
@@ -1905,7 +1905,7 @@
           <p:cNvPr id="2" name="标题 1">
             <a:extLst>
               <a:ext uri="{FF2B5EF4-FFF2-40B4-BE49-F238E27FC236}">
-                <a16:creationId xmlns:a16="http://schemas.microsoft.com/office/drawing/2014/main" id="{D701C3FD-C6D7-7F0A-BBFC-C12041B11318}"/>
+                <a16:creationId xmlns:a16="http://schemas.microsoft.com/office/drawing/2014/main" id="{5AA19DB7-9C3C-7EFB-148F-28DD50BD3FC3}"/>
               </a:ext>
             </a:extLst>
           </p:cNvPr>
@@ -1933,7 +1933,7 @@
           <p:cNvPr id="3" name="日期占位符 2">
             <a:extLst>
               <a:ext uri="{FF2B5EF4-FFF2-40B4-BE49-F238E27FC236}">
-                <a16:creationId xmlns:a16="http://schemas.microsoft.com/office/drawing/2014/main" id="{985358AD-49A5-7BB0-14AE-7EEC8121C114}"/>
+                <a16:creationId xmlns:a16="http://schemas.microsoft.com/office/drawing/2014/main" id="{5975E81D-A489-F901-7BDF-7EC2ADCCA492}"/>
               </a:ext>
             </a:extLst>
           </p:cNvPr>
@@ -1949,7 +1949,7 @@
           <a:bodyPr/>
           <a:lstStyle/>
           <a:p>
-            <a:fld id="{D010351A-4F3A-48F7-B94D-4643C01DB000}" type="datetimeFigureOut">
+            <a:fld id="{330D47B7-91CC-4158-A720-6D8CFF6A6B8A}" type="datetimeFigureOut">
               <a:rPr lang="zh-CN" altLang="en-US" smtClean="0"/>
               <a:t>2024/3/10</a:t>
             </a:fld>
@@ -1962,7 +1962,7 @@
           <p:cNvPr id="4" name="页脚占位符 3">
             <a:extLst>
               <a:ext uri="{FF2B5EF4-FFF2-40B4-BE49-F238E27FC236}">
-                <a16:creationId xmlns:a16="http://schemas.microsoft.com/office/drawing/2014/main" id="{2907966B-299E-BDF7-7EE8-F0E5A78E0DE5}"/>
+                <a16:creationId xmlns:a16="http://schemas.microsoft.com/office/drawing/2014/main" id="{23F91425-81E4-ED09-9191-A13014F457A7}"/>
               </a:ext>
             </a:extLst>
           </p:cNvPr>
@@ -1987,7 +1987,7 @@
           <p:cNvPr id="5" name="灯片编号占位符 4">
             <a:extLst>
               <a:ext uri="{FF2B5EF4-FFF2-40B4-BE49-F238E27FC236}">
-                <a16:creationId xmlns:a16="http://schemas.microsoft.com/office/drawing/2014/main" id="{19F012C5-2465-C544-9EFF-9F25FA6322F4}"/>
+                <a16:creationId xmlns:a16="http://schemas.microsoft.com/office/drawing/2014/main" id="{3DC69862-B6C2-BA01-8CB5-E955590F3949}"/>
               </a:ext>
             </a:extLst>
           </p:cNvPr>
@@ -2003,7 +2003,7 @@
           <a:bodyPr/>
           <a:lstStyle/>
           <a:p>
-            <a:fld id="{5CDEB8BD-5DA7-4957-ACD2-523AC492FA5A}" type="slidenum">
+            <a:fld id="{4362F007-8151-429E-914D-A99F4389FBDA}" type="slidenum">
               <a:rPr lang="zh-CN" altLang="en-US" smtClean="0"/>
               <a:t>‹#›</a:t>
             </a:fld>
@@ -2014,7 +2014,7 @@
     </p:spTree>
     <p:extLst>
       <p:ext uri="{BB962C8B-B14F-4D97-AF65-F5344CB8AC3E}">
-        <p14:creationId xmlns:p14="http://schemas.microsoft.com/office/powerpoint/2010/main" val="3856790566"/>
+        <p14:creationId xmlns:p14="http://schemas.microsoft.com/office/powerpoint/2010/main" val="3456396515"/>
       </p:ext>
     </p:extLst>
   </p:cSld>
@@ -2046,7 +2046,7 @@
           <p:cNvPr id="2" name="日期占位符 1">
             <a:extLst>
               <a:ext uri="{FF2B5EF4-FFF2-40B4-BE49-F238E27FC236}">
-                <a16:creationId xmlns:a16="http://schemas.microsoft.com/office/drawing/2014/main" id="{675C6A1B-4850-1E4A-5449-B42B602D01AC}"/>
+                <a16:creationId xmlns:a16="http://schemas.microsoft.com/office/drawing/2014/main" id="{71883B23-D4DC-0C30-B7B3-58442362D59A}"/>
               </a:ext>
             </a:extLst>
           </p:cNvPr>
@@ -2062,7 +2062,7 @@
           <a:bodyPr/>
           <a:lstStyle/>
           <a:p>
-            <a:fld id="{D010351A-4F3A-48F7-B94D-4643C01DB000}" type="datetimeFigureOut">
+            <a:fld id="{330D47B7-91CC-4158-A720-6D8CFF6A6B8A}" type="datetimeFigureOut">
               <a:rPr lang="zh-CN" altLang="en-US" smtClean="0"/>
               <a:t>2024/3/10</a:t>
             </a:fld>
@@ -2075,7 +2075,7 @@
           <p:cNvPr id="3" name="页脚占位符 2">
             <a:extLst>
               <a:ext uri="{FF2B5EF4-FFF2-40B4-BE49-F238E27FC236}">
-                <a16:creationId xmlns:a16="http://schemas.microsoft.com/office/drawing/2014/main" id="{5CEA803A-393C-E714-1880-04EC9B708C15}"/>
+                <a16:creationId xmlns:a16="http://schemas.microsoft.com/office/drawing/2014/main" id="{BC778C9E-CEBF-BCD4-6825-97BFBC752855}"/>
               </a:ext>
             </a:extLst>
           </p:cNvPr>
@@ -2100,7 +2100,7 @@
           <p:cNvPr id="4" name="灯片编号占位符 3">
             <a:extLst>
               <a:ext uri="{FF2B5EF4-FFF2-40B4-BE49-F238E27FC236}">
-                <a16:creationId xmlns:a16="http://schemas.microsoft.com/office/drawing/2014/main" id="{4BE5C83D-08DF-4D4E-2BC1-950149BEA2D1}"/>
+                <a16:creationId xmlns:a16="http://schemas.microsoft.com/office/drawing/2014/main" id="{5C2F1586-D94D-FD13-B427-156BE3142366}"/>
               </a:ext>
             </a:extLst>
           </p:cNvPr>
@@ -2116,7 +2116,7 @@
           <a:bodyPr/>
           <a:lstStyle/>
           <a:p>
-            <a:fld id="{5CDEB8BD-5DA7-4957-ACD2-523AC492FA5A}" type="slidenum">
+            <a:fld id="{4362F007-8151-429E-914D-A99F4389FBDA}" type="slidenum">
               <a:rPr lang="zh-CN" altLang="en-US" smtClean="0"/>
               <a:t>‹#›</a:t>
             </a:fld>
@@ -2127,7 +2127,7 @@
     </p:spTree>
     <p:extLst>
       <p:ext uri="{BB962C8B-B14F-4D97-AF65-F5344CB8AC3E}">
-        <p14:creationId xmlns:p14="http://schemas.microsoft.com/office/powerpoint/2010/main" val="1456334249"/>
+        <p14:creationId xmlns:p14="http://schemas.microsoft.com/office/powerpoint/2010/main" val="2635056695"/>
       </p:ext>
     </p:extLst>
   </p:cSld>
@@ -2159,7 +2159,7 @@
           <p:cNvPr id="2" name="标题 1">
             <a:extLst>
               <a:ext uri="{FF2B5EF4-FFF2-40B4-BE49-F238E27FC236}">
-                <a16:creationId xmlns:a16="http://schemas.microsoft.com/office/drawing/2014/main" id="{34F5AAF1-0E5F-FB92-0DB8-D2820541BD20}"/>
+                <a16:creationId xmlns:a16="http://schemas.microsoft.com/office/drawing/2014/main" id="{79D21C34-20E9-D31C-DB30-75A3A1EF8426}"/>
               </a:ext>
             </a:extLst>
           </p:cNvPr>
@@ -2196,7 +2196,7 @@
           <p:cNvPr id="3" name="内容占位符 2">
             <a:extLst>
               <a:ext uri="{FF2B5EF4-FFF2-40B4-BE49-F238E27FC236}">
-                <a16:creationId xmlns:a16="http://schemas.microsoft.com/office/drawing/2014/main" id="{CF3C43E1-4890-1FDC-6AEF-BBF6BFB0B192}"/>
+                <a16:creationId xmlns:a16="http://schemas.microsoft.com/office/drawing/2014/main" id="{4101A217-C5FE-5822-3344-D4094F6277A1}"/>
               </a:ext>
             </a:extLst>
           </p:cNvPr>
@@ -2286,7 +2286,7 @@
           <p:cNvPr id="4" name="文本占位符 3">
             <a:extLst>
               <a:ext uri="{FF2B5EF4-FFF2-40B4-BE49-F238E27FC236}">
-                <a16:creationId xmlns:a16="http://schemas.microsoft.com/office/drawing/2014/main" id="{AD3D6993-2E84-8B5E-8A23-DFF870CD73A4}"/>
+                <a16:creationId xmlns:a16="http://schemas.microsoft.com/office/drawing/2014/main" id="{79B1D1FB-64D1-1050-D31E-B717AA636422}"/>
               </a:ext>
             </a:extLst>
           </p:cNvPr>
@@ -2357,7 +2357,7 @@
           <p:cNvPr id="5" name="日期占位符 4">
             <a:extLst>
               <a:ext uri="{FF2B5EF4-FFF2-40B4-BE49-F238E27FC236}">
-                <a16:creationId xmlns:a16="http://schemas.microsoft.com/office/drawing/2014/main" id="{D19AB706-5502-0BB2-660D-FE955414E7D6}"/>
+                <a16:creationId xmlns:a16="http://schemas.microsoft.com/office/drawing/2014/main" id="{7432C216-A2C1-4CE3-5132-4639D5ECC09E}"/>
               </a:ext>
             </a:extLst>
           </p:cNvPr>
@@ -2373,7 +2373,7 @@
           <a:bodyPr/>
           <a:lstStyle/>
           <a:p>
-            <a:fld id="{D010351A-4F3A-48F7-B94D-4643C01DB000}" type="datetimeFigureOut">
+            <a:fld id="{330D47B7-91CC-4158-A720-6D8CFF6A6B8A}" type="datetimeFigureOut">
               <a:rPr lang="zh-CN" altLang="en-US" smtClean="0"/>
               <a:t>2024/3/10</a:t>
             </a:fld>
@@ -2386,7 +2386,7 @@
           <p:cNvPr id="6" name="页脚占位符 5">
             <a:extLst>
               <a:ext uri="{FF2B5EF4-FFF2-40B4-BE49-F238E27FC236}">
-                <a16:creationId xmlns:a16="http://schemas.microsoft.com/office/drawing/2014/main" id="{994BCDE1-7475-0235-BF03-41FE264DA938}"/>
+                <a16:creationId xmlns:a16="http://schemas.microsoft.com/office/drawing/2014/main" id="{4AA11EA1-48AB-71F5-4D26-A761723EC729}"/>
               </a:ext>
             </a:extLst>
           </p:cNvPr>
@@ -2411,7 +2411,7 @@
           <p:cNvPr id="7" name="灯片编号占位符 6">
             <a:extLst>
               <a:ext uri="{FF2B5EF4-FFF2-40B4-BE49-F238E27FC236}">
-                <a16:creationId xmlns:a16="http://schemas.microsoft.com/office/drawing/2014/main" id="{B05883E9-01CE-27D1-F6AB-A57CB4C28729}"/>
+                <a16:creationId xmlns:a16="http://schemas.microsoft.com/office/drawing/2014/main" id="{F34183B8-09FA-9ACA-179E-91FFEDAC6F01}"/>
               </a:ext>
             </a:extLst>
           </p:cNvPr>
@@ -2427,7 +2427,7 @@
           <a:bodyPr/>
           <a:lstStyle/>
           <a:p>
-            <a:fld id="{5CDEB8BD-5DA7-4957-ACD2-523AC492FA5A}" type="slidenum">
+            <a:fld id="{4362F007-8151-429E-914D-A99F4389FBDA}" type="slidenum">
               <a:rPr lang="zh-CN" altLang="en-US" smtClean="0"/>
               <a:t>‹#›</a:t>
             </a:fld>
@@ -2438,7 +2438,7 @@
     </p:spTree>
     <p:extLst>
       <p:ext uri="{BB962C8B-B14F-4D97-AF65-F5344CB8AC3E}">
-        <p14:creationId xmlns:p14="http://schemas.microsoft.com/office/powerpoint/2010/main" val="2264569383"/>
+        <p14:creationId xmlns:p14="http://schemas.microsoft.com/office/powerpoint/2010/main" val="1685261666"/>
       </p:ext>
     </p:extLst>
   </p:cSld>
@@ -2470,7 +2470,7 @@
           <p:cNvPr id="2" name="标题 1">
             <a:extLst>
               <a:ext uri="{FF2B5EF4-FFF2-40B4-BE49-F238E27FC236}">
-                <a16:creationId xmlns:a16="http://schemas.microsoft.com/office/drawing/2014/main" id="{535926B1-6DB7-A914-C9FA-1DF1074BB2D9}"/>
+                <a16:creationId xmlns:a16="http://schemas.microsoft.com/office/drawing/2014/main" id="{AAC290E1-D6B7-A97E-C2EC-05FFB55559AA}"/>
               </a:ext>
             </a:extLst>
           </p:cNvPr>
@@ -2507,7 +2507,7 @@
           <p:cNvPr id="3" name="图片占位符 2">
             <a:extLst>
               <a:ext uri="{FF2B5EF4-FFF2-40B4-BE49-F238E27FC236}">
-                <a16:creationId xmlns:a16="http://schemas.microsoft.com/office/drawing/2014/main" id="{38075EFC-60D9-F160-5BA3-44E5F06F6409}"/>
+                <a16:creationId xmlns:a16="http://schemas.microsoft.com/office/drawing/2014/main" id="{815498E5-83C6-8321-F469-48CF704E1647}"/>
               </a:ext>
             </a:extLst>
           </p:cNvPr>
@@ -2574,7 +2574,7 @@
           <p:cNvPr id="4" name="文本占位符 3">
             <a:extLst>
               <a:ext uri="{FF2B5EF4-FFF2-40B4-BE49-F238E27FC236}">
-                <a16:creationId xmlns:a16="http://schemas.microsoft.com/office/drawing/2014/main" id="{524BD00D-6710-DB93-1B28-8793BB036335}"/>
+                <a16:creationId xmlns:a16="http://schemas.microsoft.com/office/drawing/2014/main" id="{7AB6BEF4-5B31-68F3-58B3-8B4A2092B334}"/>
               </a:ext>
             </a:extLst>
           </p:cNvPr>
@@ -2645,7 +2645,7 @@
           <p:cNvPr id="5" name="日期占位符 4">
             <a:extLst>
               <a:ext uri="{FF2B5EF4-FFF2-40B4-BE49-F238E27FC236}">
-                <a16:creationId xmlns:a16="http://schemas.microsoft.com/office/drawing/2014/main" id="{32A61241-7DBD-0738-8670-C3C9E2B78567}"/>
+                <a16:creationId xmlns:a16="http://schemas.microsoft.com/office/drawing/2014/main" id="{6FA3FC4D-906B-8D58-78FF-42ED88B769D2}"/>
               </a:ext>
             </a:extLst>
           </p:cNvPr>
@@ -2661,7 +2661,7 @@
           <a:bodyPr/>
           <a:lstStyle/>
           <a:p>
-            <a:fld id="{D010351A-4F3A-48F7-B94D-4643C01DB000}" type="datetimeFigureOut">
+            <a:fld id="{330D47B7-91CC-4158-A720-6D8CFF6A6B8A}" type="datetimeFigureOut">
               <a:rPr lang="zh-CN" altLang="en-US" smtClean="0"/>
               <a:t>2024/3/10</a:t>
             </a:fld>
@@ -2674,7 +2674,7 @@
           <p:cNvPr id="6" name="页脚占位符 5">
             <a:extLst>
               <a:ext uri="{FF2B5EF4-FFF2-40B4-BE49-F238E27FC236}">
-                <a16:creationId xmlns:a16="http://schemas.microsoft.com/office/drawing/2014/main" id="{CE8C6248-1067-0D41-A12F-6DFE953B795C}"/>
+                <a16:creationId xmlns:a16="http://schemas.microsoft.com/office/drawing/2014/main" id="{166C7B27-67EE-A3FC-E709-8FD65823F756}"/>
               </a:ext>
             </a:extLst>
           </p:cNvPr>
@@ -2699,7 +2699,7 @@
           <p:cNvPr id="7" name="灯片编号占位符 6">
             <a:extLst>
               <a:ext uri="{FF2B5EF4-FFF2-40B4-BE49-F238E27FC236}">
-                <a16:creationId xmlns:a16="http://schemas.microsoft.com/office/drawing/2014/main" id="{45C7C167-636B-409D-6EB5-093B3BCB69C7}"/>
+                <a16:creationId xmlns:a16="http://schemas.microsoft.com/office/drawing/2014/main" id="{7CAE7D47-1C21-4FA9-B1A7-E36D41B65DFC}"/>
               </a:ext>
             </a:extLst>
           </p:cNvPr>
@@ -2715,7 +2715,7 @@
           <a:bodyPr/>
           <a:lstStyle/>
           <a:p>
-            <a:fld id="{5CDEB8BD-5DA7-4957-ACD2-523AC492FA5A}" type="slidenum">
+            <a:fld id="{4362F007-8151-429E-914D-A99F4389FBDA}" type="slidenum">
               <a:rPr lang="zh-CN" altLang="en-US" smtClean="0"/>
               <a:t>‹#›</a:t>
             </a:fld>
@@ -2726,7 +2726,7 @@
     </p:spTree>
     <p:extLst>
       <p:ext uri="{BB962C8B-B14F-4D97-AF65-F5344CB8AC3E}">
-        <p14:creationId xmlns:p14="http://schemas.microsoft.com/office/powerpoint/2010/main" val="1440730810"/>
+        <p14:creationId xmlns:p14="http://schemas.microsoft.com/office/powerpoint/2010/main" val="1240809399"/>
       </p:ext>
     </p:extLst>
   </p:cSld>
@@ -2763,7 +2763,7 @@
           <p:cNvPr id="2" name="标题占位符 1">
             <a:extLst>
               <a:ext uri="{FF2B5EF4-FFF2-40B4-BE49-F238E27FC236}">
-                <a16:creationId xmlns:a16="http://schemas.microsoft.com/office/drawing/2014/main" id="{13F466F4-DD80-FA92-C1ED-AD3DA34E9126}"/>
+                <a16:creationId xmlns:a16="http://schemas.microsoft.com/office/drawing/2014/main" id="{DC424352-3B98-FC4F-60ED-A6E8515F6F76}"/>
               </a:ext>
             </a:extLst>
           </p:cNvPr>
@@ -2801,7 +2801,7 @@
           <p:cNvPr id="3" name="文本占位符 2">
             <a:extLst>
               <a:ext uri="{FF2B5EF4-FFF2-40B4-BE49-F238E27FC236}">
-                <a16:creationId xmlns:a16="http://schemas.microsoft.com/office/drawing/2014/main" id="{B5A08320-6CFB-8C3C-40CE-3C26C04C29C5}"/>
+                <a16:creationId xmlns:a16="http://schemas.microsoft.com/office/drawing/2014/main" id="{2E50A884-FD2E-74C0-73E4-C26E100338F9}"/>
               </a:ext>
             </a:extLst>
           </p:cNvPr>
@@ -2868,7 +2868,7 @@
           <p:cNvPr id="4" name="日期占位符 3">
             <a:extLst>
               <a:ext uri="{FF2B5EF4-FFF2-40B4-BE49-F238E27FC236}">
-                <a16:creationId xmlns:a16="http://schemas.microsoft.com/office/drawing/2014/main" id="{A2E0CC3E-4D1F-6ED3-90DC-B92A8B814A3C}"/>
+                <a16:creationId xmlns:a16="http://schemas.microsoft.com/office/drawing/2014/main" id="{C374225F-06DD-2D79-7401-A70A65AB4AB1}"/>
               </a:ext>
             </a:extLst>
           </p:cNvPr>
@@ -2902,7 +2902,7 @@
             </a:lvl1pPr>
           </a:lstStyle>
           <a:p>
-            <a:fld id="{D010351A-4F3A-48F7-B94D-4643C01DB000}" type="datetimeFigureOut">
+            <a:fld id="{330D47B7-91CC-4158-A720-6D8CFF6A6B8A}" type="datetimeFigureOut">
               <a:rPr lang="zh-CN" altLang="en-US" smtClean="0"/>
               <a:t>2024/3/10</a:t>
             </a:fld>
@@ -2915,7 +2915,7 @@
           <p:cNvPr id="5" name="页脚占位符 4">
             <a:extLst>
               <a:ext uri="{FF2B5EF4-FFF2-40B4-BE49-F238E27FC236}">
-                <a16:creationId xmlns:a16="http://schemas.microsoft.com/office/drawing/2014/main" id="{45D33D4E-F02B-27C2-C13A-E7B6552D3966}"/>
+                <a16:creationId xmlns:a16="http://schemas.microsoft.com/office/drawing/2014/main" id="{A4A42352-D1C0-9EC1-512B-23C374D93ADA}"/>
               </a:ext>
             </a:extLst>
           </p:cNvPr>
@@ -2958,7 +2958,7 @@
           <p:cNvPr id="6" name="灯片编号占位符 5">
             <a:extLst>
               <a:ext uri="{FF2B5EF4-FFF2-40B4-BE49-F238E27FC236}">
-                <a16:creationId xmlns:a16="http://schemas.microsoft.com/office/drawing/2014/main" id="{8CCDE146-5D1D-930E-6D2A-75E91F475B0B}"/>
+                <a16:creationId xmlns:a16="http://schemas.microsoft.com/office/drawing/2014/main" id="{D1B28729-B892-A8AD-6368-0A0835E76A12}"/>
               </a:ext>
             </a:extLst>
           </p:cNvPr>
@@ -2992,7 +2992,7 @@
             </a:lvl1pPr>
           </a:lstStyle>
           <a:p>
-            <a:fld id="{5CDEB8BD-5DA7-4957-ACD2-523AC492FA5A}" type="slidenum">
+            <a:fld id="{4362F007-8151-429E-914D-A99F4389FBDA}" type="slidenum">
               <a:rPr lang="zh-CN" altLang="en-US" smtClean="0"/>
               <a:t>‹#›</a:t>
             </a:fld>
@@ -3003,7 +3003,7 @@
     </p:spTree>
     <p:extLst>
       <p:ext uri="{BB962C8B-B14F-4D97-AF65-F5344CB8AC3E}">
-        <p14:creationId xmlns:p14="http://schemas.microsoft.com/office/powerpoint/2010/main" val="1686164200"/>
+        <p14:creationId xmlns:p14="http://schemas.microsoft.com/office/powerpoint/2010/main" val="2779563716"/>
       </p:ext>
     </p:extLst>
   </p:cSld>
@@ -3323,7 +3323,7 @@
       </p:grpSpPr>
       <p:pic>
         <p:nvPicPr>
-          <p:cNvPr id="212994" name="Picture 2" descr="207"/>
+          <p:cNvPr id="214018" name="Picture 2" descr="208"/>
           <p:cNvPicPr>
             <a:picLocks noChangeAspect="1" noChangeArrowheads="1"/>
           </p:cNvPicPr>
@@ -3377,7 +3377,7 @@
       </p:pic>
       <p:pic>
         <p:nvPicPr>
-          <p:cNvPr id="214019" name="Picture 3" descr="207-2"/>
+          <p:cNvPr id="215043" name="Picture 3" descr="208-2"/>
           <p:cNvPicPr>
             <a:picLocks noChangeAspect="1" noChangeArrowheads="1"/>
           </p:cNvPicPr>
@@ -3398,7 +3398,7 @@
         </p:blipFill>
         <p:spPr bwMode="auto">
           <a:xfrm>
-            <a:off x="1524000" y="44450"/>
+            <a:off x="1524000" y="0"/>
             <a:ext cx="9144000" cy="6858000"/>
           </a:xfrm>
           <a:prstGeom prst="rect">
@@ -3478,7 +3478,7 @@
                                           </p:stCondLst>
                                         </p:cTn>
                                         <p:tgtEl>
-                                          <p:spTgt spid="214019"/>
+                                          <p:spTgt spid="215043"/>
                                         </p:tgtEl>
                                         <p:attrNameLst>
                                           <p:attrName>style.visibility</p:attrName>
@@ -3492,7 +3492,7 @@
                                       <p:cBhvr>
                                         <p:cTn id="7" dur="500"/>
                                         <p:tgtEl>
-                                          <p:spTgt spid="214019"/>
+                                          <p:spTgt spid="215043"/>
                                         </p:tgtEl>
                                       </p:cBhvr>
                                     </p:animEffect>
